--- a/report.pptx
+++ b/report.pptx
@@ -16942,7 +16942,7 @@
               <a:buNone/>
             </a:pPr>
             <a:r>
-              <a:rPr lang="zh-TW" sz="2400" b="1">
+              <a:rPr lang="zh-TW" sz="2400" b="1" dirty="0">
                 <a:solidFill>
                   <a:schemeClr val="lt1"/>
                 </a:solidFill>
@@ -16953,7 +16953,83 @@
               </a:rPr>
               <a:t>Accuracy</a:t>
             </a:r>
-            <a:endParaRPr sz="2400" b="1">
+            <a:endParaRPr sz="2400" b="1" dirty="0">
+              <a:solidFill>
+                <a:schemeClr val="lt1"/>
+              </a:solidFill>
+              <a:latin typeface="Maven Pro"/>
+              <a:ea typeface="Maven Pro"/>
+              <a:cs typeface="Maven Pro"/>
+              <a:sym typeface="Maven Pro"/>
+            </a:endParaRPr>
+          </a:p>
+          <a:p>
+            <a:pPr lvl="0">
+              <a:lnSpc>
+                <a:spcPct val="150000"/>
+              </a:lnSpc>
+            </a:pPr>
+            <a:r>
+              <a:rPr lang="zh-TW" sz="2400" b="1" dirty="0">
+                <a:solidFill>
+                  <a:schemeClr val="lt1"/>
+                </a:solidFill>
+                <a:latin typeface="Maven Pro"/>
+                <a:ea typeface="Maven Pro"/>
+                <a:cs typeface="Maven Pro"/>
+                <a:sym typeface="Maven Pro"/>
+              </a:rPr>
+              <a:t>Bayes </a:t>
+            </a:r>
+            <a:r>
+              <a:rPr lang="en-US" altLang="zh-TW" sz="2400" b="1" smtClean="0">
+                <a:solidFill>
+                  <a:schemeClr val="lt1"/>
+                </a:solidFill>
+                <a:latin typeface="Maven Pro"/>
+                <a:ea typeface="Maven Pro"/>
+                <a:cs typeface="Maven Pro"/>
+                <a:sym typeface="Maven Pro"/>
+              </a:rPr>
+              <a:t>gaussian</a:t>
+            </a:r>
+            <a:r>
+              <a:rPr lang="en-US" altLang="zh-TW" sz="2400" b="1" dirty="0" smtClean="0">
+                <a:solidFill>
+                  <a:schemeClr val="lt1"/>
+                </a:solidFill>
+                <a:latin typeface="Maven Pro"/>
+                <a:ea typeface="Maven Pro"/>
+                <a:cs typeface="Maven Pro"/>
+                <a:sym typeface="Maven Pro"/>
+              </a:rPr>
+              <a:t>:</a:t>
+            </a:r>
+            <a:r>
+              <a:rPr lang="zh-TW" sz="2400" b="1" dirty="0" smtClean="0">
+                <a:solidFill>
+                  <a:schemeClr val="lt1"/>
+                </a:solidFill>
+                <a:latin typeface="Maven Pro"/>
+                <a:ea typeface="Maven Pro"/>
+                <a:cs typeface="Maven Pro"/>
+                <a:sym typeface="Maven Pro"/>
+              </a:rPr>
+              <a:t>0</a:t>
+            </a:r>
+            <a:r>
+              <a:rPr lang="zh-TW" sz="2400" b="1" dirty="0">
+                <a:solidFill>
+                  <a:schemeClr val="lt1"/>
+                </a:solidFill>
+                <a:latin typeface="Maven Pro"/>
+                <a:ea typeface="Maven Pro"/>
+                <a:cs typeface="Maven Pro"/>
+                <a:sym typeface="Maven Pro"/>
+              </a:rPr>
+              <a:t>.44</a:t>
+            </a:r>
+            <a:endParaRPr sz="2400" b="1" dirty="0">
               <a:solidFill>
                 <a:schemeClr val="lt1"/>
               </a:solidFill>
@@ -16977,7 +17053,7 @@
               <a:buNone/>
             </a:pPr>
             <a:r>
-              <a:rPr lang="zh-TW" sz="2400" b="1">
+              <a:rPr lang="zh-TW" sz="2400" b="1" dirty="0">
                 <a:solidFill>
                   <a:schemeClr val="lt1"/>
                 </a:solidFill>
@@ -16986,9 +17062,9 @@
                 <a:cs typeface="Maven Pro"/>
                 <a:sym typeface="Maven Pro"/>
               </a:rPr>
-              <a:t>Bayes : 0.44</a:t>
+              <a:t>Desicion Tree : 0.63</a:t>
             </a:r>
-            <a:endParaRPr sz="2400" b="1">
+            <a:endParaRPr sz="2400" b="1" dirty="0">
               <a:solidFill>
                 <a:schemeClr val="lt1"/>
               </a:solidFill>
@@ -17012,7 +17088,7 @@
               <a:buNone/>
             </a:pPr>
             <a:r>
-              <a:rPr lang="zh-TW" sz="2400" b="1">
+              <a:rPr lang="zh-TW" sz="2400" b="1" dirty="0">
                 <a:solidFill>
                   <a:schemeClr val="lt1"/>
                 </a:solidFill>
@@ -17021,9 +17097,9 @@
                 <a:cs typeface="Maven Pro"/>
                 <a:sym typeface="Maven Pro"/>
               </a:rPr>
-              <a:t>Desicion Tree : 0.63</a:t>
+              <a:t>Random Forest : 0.55</a:t>
             </a:r>
-            <a:endParaRPr sz="2400" b="1">
+            <a:endParaRPr sz="2400" b="1" dirty="0">
               <a:solidFill>
                 <a:schemeClr val="lt1"/>
               </a:solidFill>
@@ -17047,7 +17123,7 @@
               <a:buNone/>
             </a:pPr>
             <a:r>
-              <a:rPr lang="zh-TW" sz="2400" b="1">
+              <a:rPr lang="zh-TW" sz="2400" b="1" dirty="0">
                 <a:solidFill>
                   <a:schemeClr val="lt1"/>
                 </a:solidFill>
@@ -17056,9 +17132,9 @@
                 <a:cs typeface="Maven Pro"/>
                 <a:sym typeface="Maven Pro"/>
               </a:rPr>
-              <a:t>Random Forest : 0.55</a:t>
+              <a:t>NN : 0.799</a:t>
             </a:r>
-            <a:endParaRPr sz="2400" b="1">
+            <a:endParaRPr sz="2400" b="1" dirty="0">
               <a:solidFill>
                 <a:schemeClr val="lt1"/>
               </a:solidFill>
@@ -17082,42 +17158,7 @@
               <a:buNone/>
             </a:pPr>
             <a:r>
-              <a:rPr lang="zh-TW" sz="2400" b="1">
-                <a:solidFill>
-                  <a:schemeClr val="lt1"/>
-                </a:solidFill>
-                <a:latin typeface="Maven Pro"/>
-                <a:ea typeface="Maven Pro"/>
-                <a:cs typeface="Maven Pro"/>
-                <a:sym typeface="Maven Pro"/>
-              </a:rPr>
-              <a:t>NN : 0.799</a:t>
-            </a:r>
-            <a:endParaRPr sz="2400" b="1">
-              <a:solidFill>
-                <a:schemeClr val="lt1"/>
-              </a:solidFill>
-              <a:latin typeface="Maven Pro"/>
-              <a:ea typeface="Maven Pro"/>
-              <a:cs typeface="Maven Pro"/>
-              <a:sym typeface="Maven Pro"/>
-            </a:endParaRPr>
-          </a:p>
-          <a:p>
-            <a:pPr marL="0" lvl="0" indent="0" algn="l" rtl="0">
-              <a:lnSpc>
-                <a:spcPct val="150000"/>
-              </a:lnSpc>
-              <a:spcBef>
-                <a:spcPts val="0"/>
-              </a:spcBef>
-              <a:spcAft>
-                <a:spcPts val="0"/>
-              </a:spcAft>
-              <a:buNone/>
-            </a:pPr>
-            <a:r>
-              <a:rPr lang="zh-TW" sz="2400" b="1">
+              <a:rPr lang="zh-TW" sz="2400" b="1" dirty="0">
                 <a:solidFill>
                   <a:schemeClr val="lt1"/>
                 </a:solidFill>
@@ -17128,7 +17169,7 @@
               </a:rPr>
               <a:t>Linear Regression :0.43</a:t>
             </a:r>
-            <a:endParaRPr sz="2400" b="1">
+            <a:endParaRPr sz="2400" b="1" dirty="0">
               <a:solidFill>
                 <a:schemeClr val="lt1"/>
               </a:solidFill>

--- a/report.pptx
+++ b/report.pptx
@@ -16982,7 +16982,7 @@
               <a:t>Bayes </a:t>
             </a:r>
             <a:r>
-              <a:rPr lang="en-US" altLang="zh-TW" sz="2400" b="1" smtClean="0">
+              <a:rPr lang="en-US" altLang="zh-TW" sz="2400" b="1" dirty="0" err="1" smtClean="0">
                 <a:solidFill>
                   <a:schemeClr val="lt1"/>
                 </a:solidFill>
